--- a/모바일 최종보고서 20093296 배판근.pptx
+++ b/모바일 최종보고서 20093296 배판근.pptx
@@ -5,7 +5,7 @@
     <p:sldMasterId id="2147483648" r:id="rId1"/>
   </p:sldMasterIdLst>
   <p:notesMasterIdLst>
-    <p:notesMasterId r:id="rId14"/>
+    <p:notesMasterId r:id="rId13"/>
   </p:notesMasterIdLst>
   <p:sldIdLst>
     <p:sldId id="256" r:id="rId2"/>
@@ -18,8 +18,7 @@
     <p:sldId id="267" r:id="rId9"/>
     <p:sldId id="268" r:id="rId10"/>
     <p:sldId id="273" r:id="rId11"/>
-    <p:sldId id="264" r:id="rId12"/>
-    <p:sldId id="263" r:id="rId13"/>
+    <p:sldId id="263" r:id="rId12"/>
   </p:sldIdLst>
   <p:sldSz cx="9144000" cy="6858000" type="screen4x3"/>
   <p:notesSz cx="6858000" cy="9144000"/>
@@ -666,6 +665,42 @@
           <a:bodyPr/>
           <a:lstStyle/>
           <a:p>
+            <a:r>
+              <a:rPr lang="en-US" altLang="ko-KR" dirty="0" smtClean="0"/>
+              <a:t>basketball match app </a:t>
+            </a:r>
+            <a:r>
+              <a:rPr lang="ko-KR" altLang="en-US" dirty="0" smtClean="0"/>
+              <a:t>은 팀을 구성해서 팀원을 넣어 가까운 지역의 팀과 </a:t>
+            </a:r>
+            <a:r>
+              <a:rPr lang="ko-KR" altLang="en-US" dirty="0" err="1" smtClean="0"/>
+              <a:t>매칭</a:t>
+            </a:r>
+            <a:r>
+              <a:rPr lang="ko-KR" altLang="en-US" dirty="0" smtClean="0"/>
+              <a:t> 해주는 </a:t>
+            </a:r>
+            <a:r>
+              <a:rPr lang="ko-KR" altLang="en-US" dirty="0" err="1" smtClean="0"/>
+              <a:t>어플이다</a:t>
+            </a:r>
+            <a:r>
+              <a:rPr lang="en-US" altLang="ko-KR" dirty="0" smtClean="0"/>
+              <a:t>.</a:t>
+            </a:r>
+          </a:p>
+          <a:p>
+            <a:r>
+              <a:rPr lang="ko-KR" altLang="en-US" dirty="0" smtClean="0"/>
+              <a:t>팀원이 부족하거나 팀이 없다면 구할 수 있다</a:t>
+            </a:r>
+            <a:r>
+              <a:rPr lang="en-US" altLang="ko-KR" dirty="0" smtClean="0"/>
+              <a:t>.</a:t>
+            </a:r>
+          </a:p>
+          <a:p>
             <a:endParaRPr lang="en-US" altLang="ko-KR" dirty="0" smtClean="0"/>
           </a:p>
         </p:txBody>
@@ -688,126 +723,6 @@
             <a:fld id="{DF53586E-2160-4EF1-AC29-D75686EF6316}" type="slidenum">
               <a:rPr lang="ko-KR" altLang="en-US" smtClean="0"/>
               <a:t>11</a:t>
-            </a:fld>
-            <a:endParaRPr lang="ko-KR" altLang="en-US"/>
-          </a:p>
-        </p:txBody>
-      </p:sp>
-    </p:spTree>
-    <p:extLst>
-      <p:ext uri="{BB962C8B-B14F-4D97-AF65-F5344CB8AC3E}">
-        <p14:creationId xmlns:p14="http://schemas.microsoft.com/office/powerpoint/2010/main" val="259249074"/>
-      </p:ext>
-    </p:extLst>
-  </p:cSld>
-  <p:clrMapOvr>
-    <a:masterClrMapping/>
-  </p:clrMapOvr>
-</p:notes>
-</file>
-
-<file path=ppt/notesSlides/notesSlide11.xml><?xml version="1.0" encoding="utf-8"?>
-<p:notes xmlns:a="http://schemas.openxmlformats.org/drawingml/2006/main" xmlns:r="http://schemas.openxmlformats.org/officeDocument/2006/relationships" xmlns:p="http://schemas.openxmlformats.org/presentationml/2006/main">
-  <p:cSld>
-    <p:spTree>
-      <p:nvGrpSpPr>
-        <p:cNvPr id="1" name=""/>
-        <p:cNvGrpSpPr/>
-        <p:nvPr/>
-      </p:nvGrpSpPr>
-      <p:grpSpPr>
-        <a:xfrm>
-          <a:off x="0" y="0"/>
-          <a:ext cx="0" cy="0"/>
-          <a:chOff x="0" y="0"/>
-          <a:chExt cx="0" cy="0"/>
-        </a:xfrm>
-      </p:grpSpPr>
-      <p:sp>
-        <p:nvSpPr>
-          <p:cNvPr id="2" name="슬라이드 이미지 개체 틀 1"/>
-          <p:cNvSpPr>
-            <a:spLocks noGrp="1" noRot="1" noChangeAspect="1"/>
-          </p:cNvSpPr>
-          <p:nvPr>
-            <p:ph type="sldImg"/>
-          </p:nvPr>
-        </p:nvSpPr>
-        <p:spPr/>
-      </p:sp>
-      <p:sp>
-        <p:nvSpPr>
-          <p:cNvPr id="3" name="슬라이드 노트 개체 틀 2"/>
-          <p:cNvSpPr>
-            <a:spLocks noGrp="1"/>
-          </p:cNvSpPr>
-          <p:nvPr>
-            <p:ph type="body" idx="1"/>
-          </p:nvPr>
-        </p:nvSpPr>
-        <p:spPr/>
-        <p:txBody>
-          <a:bodyPr/>
-          <a:lstStyle/>
-          <a:p>
-            <a:r>
-              <a:rPr lang="en-US" altLang="ko-KR" dirty="0" smtClean="0"/>
-              <a:t>basketball match app </a:t>
-            </a:r>
-            <a:r>
-              <a:rPr lang="ko-KR" altLang="en-US" dirty="0" smtClean="0"/>
-              <a:t>은 팀을 구성해서 팀원을 넣어 가까운 지역의 팀과 </a:t>
-            </a:r>
-            <a:r>
-              <a:rPr lang="ko-KR" altLang="en-US" dirty="0" err="1" smtClean="0"/>
-              <a:t>매칭</a:t>
-            </a:r>
-            <a:r>
-              <a:rPr lang="ko-KR" altLang="en-US" dirty="0" smtClean="0"/>
-              <a:t> 해주는 </a:t>
-            </a:r>
-            <a:r>
-              <a:rPr lang="ko-KR" altLang="en-US" dirty="0" err="1" smtClean="0"/>
-              <a:t>어플이다</a:t>
-            </a:r>
-            <a:r>
-              <a:rPr lang="en-US" altLang="ko-KR" dirty="0" smtClean="0"/>
-              <a:t>.</a:t>
-            </a:r>
-          </a:p>
-          <a:p>
-            <a:r>
-              <a:rPr lang="ko-KR" altLang="en-US" dirty="0" smtClean="0"/>
-              <a:t>팀원이 부족하거나 팀이 없다면 구할 수 있다</a:t>
-            </a:r>
-            <a:r>
-              <a:rPr lang="en-US" altLang="ko-KR" dirty="0" smtClean="0"/>
-              <a:t>.</a:t>
-            </a:r>
-          </a:p>
-          <a:p>
-            <a:endParaRPr lang="en-US" altLang="ko-KR" dirty="0" smtClean="0"/>
-          </a:p>
-        </p:txBody>
-      </p:sp>
-      <p:sp>
-        <p:nvSpPr>
-          <p:cNvPr id="4" name="슬라이드 번호 개체 틀 3"/>
-          <p:cNvSpPr>
-            <a:spLocks noGrp="1"/>
-          </p:cNvSpPr>
-          <p:nvPr>
-            <p:ph type="sldNum" sz="quarter" idx="10"/>
-          </p:nvPr>
-        </p:nvSpPr>
-        <p:spPr/>
-        <p:txBody>
-          <a:bodyPr/>
-          <a:lstStyle/>
-          <a:p>
-            <a:fld id="{DF53586E-2160-4EF1-AC29-D75686EF6316}" type="slidenum">
-              <a:rPr lang="ko-KR" altLang="en-US" smtClean="0"/>
-              <a:t>12</a:t>
             </a:fld>
             <a:endParaRPr lang="ko-KR" altLang="en-US"/>
           </a:p>
@@ -1452,115 +1367,6 @@
         <p:txBody>
           <a:bodyPr/>
           <a:lstStyle/>
-          <a:p>
-            <a:r>
-              <a:rPr lang="en-US" altLang="ko-KR" sz="1200" kern="1200" dirty="0" err="1" smtClean="0">
-                <a:solidFill>
-                  <a:schemeClr val="tx1"/>
-                </a:solidFill>
-                <a:latin typeface="+mn-lt"/>
-                <a:ea typeface="+mn-ea"/>
-                <a:cs typeface="+mn-cs"/>
-              </a:rPr>
-              <a:t>Googl</a:t>
-            </a:r>
-            <a:r>
-              <a:rPr lang="en-US" altLang="ko-KR" sz="1200" kern="1200" dirty="0" smtClean="0">
-                <a:solidFill>
-                  <a:schemeClr val="tx1"/>
-                </a:solidFill>
-                <a:latin typeface="+mn-lt"/>
-                <a:ea typeface="+mn-ea"/>
-                <a:cs typeface="+mn-cs"/>
-              </a:rPr>
-              <a:t> place</a:t>
-            </a:r>
-            <a:r>
-              <a:rPr lang="en-US" altLang="ko-KR" sz="1200" kern="1200" baseline="0" dirty="0" smtClean="0">
-                <a:solidFill>
-                  <a:schemeClr val="tx1"/>
-                </a:solidFill>
-                <a:latin typeface="+mn-lt"/>
-                <a:ea typeface="+mn-ea"/>
-                <a:cs typeface="+mn-cs"/>
-              </a:rPr>
-              <a:t> </a:t>
-            </a:r>
-            <a:r>
-              <a:rPr lang="en-US" altLang="ko-KR" sz="1200" kern="1200" baseline="0" dirty="0" err="1" smtClean="0">
-                <a:solidFill>
-                  <a:schemeClr val="tx1"/>
-                </a:solidFill>
-                <a:latin typeface="+mn-lt"/>
-                <a:ea typeface="+mn-ea"/>
-                <a:cs typeface="+mn-cs"/>
-              </a:rPr>
-              <a:t>api</a:t>
-            </a:r>
-            <a:r>
-              <a:rPr lang="en-US" altLang="ko-KR" sz="1200" kern="1200" baseline="0" dirty="0" smtClean="0">
-                <a:solidFill>
-                  <a:schemeClr val="tx1"/>
-                </a:solidFill>
-                <a:latin typeface="+mn-lt"/>
-                <a:ea typeface="+mn-ea"/>
-                <a:cs typeface="+mn-cs"/>
-              </a:rPr>
-              <a:t> </a:t>
-            </a:r>
-            <a:r>
-              <a:rPr lang="ko-KR" altLang="en-US" sz="1200" kern="1200" baseline="0" dirty="0" smtClean="0">
-                <a:solidFill>
-                  <a:schemeClr val="tx1"/>
-                </a:solidFill>
-                <a:latin typeface="+mn-lt"/>
-                <a:ea typeface="+mn-ea"/>
-                <a:cs typeface="+mn-cs"/>
-              </a:rPr>
-              <a:t>사용하여 </a:t>
-            </a:r>
-            <a:r>
-              <a:rPr lang="ko-KR" altLang="en-US" sz="1200" kern="1200" dirty="0" smtClean="0">
-                <a:solidFill>
-                  <a:schemeClr val="tx1"/>
-                </a:solidFill>
-                <a:latin typeface="+mn-lt"/>
-                <a:ea typeface="+mn-ea"/>
-                <a:cs typeface="+mn-cs"/>
-              </a:rPr>
-              <a:t>지역 자동완성 부분을</a:t>
-            </a:r>
-            <a:r>
-              <a:rPr lang="ko-KR" altLang="en-US" sz="1200" kern="1200" baseline="0" dirty="0" smtClean="0">
-                <a:solidFill>
-                  <a:schemeClr val="tx1"/>
-                </a:solidFill>
-                <a:latin typeface="+mn-lt"/>
-                <a:ea typeface="+mn-ea"/>
-                <a:cs typeface="+mn-cs"/>
-              </a:rPr>
-              <a:t> </a:t>
-            </a:r>
-            <a:r>
-              <a:rPr lang="ko-KR" altLang="en-US" sz="1200" kern="1200" baseline="0" dirty="0" err="1" smtClean="0">
-                <a:solidFill>
-                  <a:schemeClr val="tx1"/>
-                </a:solidFill>
-                <a:latin typeface="+mn-lt"/>
-                <a:ea typeface="+mn-ea"/>
-                <a:cs typeface="+mn-cs"/>
-              </a:rPr>
-              <a:t>개발중</a:t>
-            </a:r>
-            <a:endParaRPr lang="en-US" altLang="ko-KR" sz="1200" kern="1200" dirty="0" smtClean="0">
-              <a:solidFill>
-                <a:schemeClr val="tx1"/>
-              </a:solidFill>
-              <a:latin typeface="+mn-lt"/>
-              <a:ea typeface="+mn-ea"/>
-              <a:cs typeface="+mn-cs"/>
-            </a:endParaRPr>
-          </a:p>
           <a:p>
             <a:r>
               <a:rPr lang="en-US" altLang="ko-KR" sz="1200" kern="1200" dirty="0" err="1" smtClean="0">
@@ -2875,208 +2681,6 @@
 </file>
 
 <file path=ppt/slides/slide11.xml><?xml version="1.0" encoding="utf-8"?>
-<p:sld xmlns:a="http://schemas.openxmlformats.org/drawingml/2006/main" xmlns:r="http://schemas.openxmlformats.org/officeDocument/2006/relationships" xmlns:p="http://schemas.openxmlformats.org/presentationml/2006/main">
-  <p:cSld>
-    <p:spTree>
-      <p:nvGrpSpPr>
-        <p:cNvPr id="1" name=""/>
-        <p:cNvGrpSpPr/>
-        <p:nvPr/>
-      </p:nvGrpSpPr>
-      <p:grpSpPr>
-        <a:xfrm>
-          <a:off x="0" y="0"/>
-          <a:ext cx="0" cy="0"/>
-          <a:chOff x="0" y="0"/>
-          <a:chExt cx="0" cy="0"/>
-        </a:xfrm>
-      </p:grpSpPr>
-      <p:sp>
-        <p:nvSpPr>
-          <p:cNvPr id="4" name="TextBox 3"/>
-          <p:cNvSpPr txBox="1"/>
-          <p:nvPr/>
-        </p:nvSpPr>
-        <p:spPr bwMode="white">
-          <a:xfrm>
-            <a:off x="347408" y="205770"/>
-            <a:ext cx="4800656" cy="646331"/>
-          </a:xfrm>
-          <a:prstGeom prst="rect">
-            <a:avLst/>
-          </a:prstGeom>
-          <a:noFill/>
-        </p:spPr>
-        <p:txBody>
-          <a:bodyPr wrap="square" rtlCol="0">
-            <a:spAutoFit/>
-          </a:bodyPr>
-          <a:lstStyle/>
-          <a:p>
-            <a:r>
-              <a:rPr lang="en-US" altLang="ko-KR" sz="3600" spc="-300" dirty="0">
-                <a:ln>
-                  <a:solidFill>
-                    <a:schemeClr val="accent1">
-                      <a:alpha val="0"/>
-                    </a:schemeClr>
-                  </a:solidFill>
-                </a:ln>
-                <a:solidFill>
-                  <a:srgbClr val="832F2F"/>
-                </a:solidFill>
-                <a:latin typeface="HY견고딕" pitchFamily="18" charset="-127"/>
-                <a:ea typeface="HY견고딕" pitchFamily="18" charset="-127"/>
-                <a:cs typeface="Tahoma" pitchFamily="34" charset="0"/>
-              </a:rPr>
-              <a:t>basketball match app</a:t>
-            </a:r>
-            <a:endParaRPr lang="ko-KR" altLang="en-US" sz="3500" spc="-150" dirty="0">
-              <a:ln>
-                <a:solidFill>
-                  <a:schemeClr val="accent1">
-                    <a:alpha val="0"/>
-                  </a:schemeClr>
-                </a:solidFill>
-              </a:ln>
-              <a:solidFill>
-                <a:srgbClr val="832F2F"/>
-              </a:solidFill>
-              <a:latin typeface="HY견고딕" pitchFamily="18" charset="-127"/>
-              <a:ea typeface="HY견고딕" pitchFamily="18" charset="-127"/>
-              <a:cs typeface="Tahoma" pitchFamily="34" charset="0"/>
-            </a:endParaRPr>
-          </a:p>
-        </p:txBody>
-      </p:sp>
-      <p:sp>
-        <p:nvSpPr>
-          <p:cNvPr id="6" name="TextBox 5"/>
-          <p:cNvSpPr txBox="1"/>
-          <p:nvPr/>
-        </p:nvSpPr>
-        <p:spPr>
-          <a:xfrm>
-            <a:off x="755576" y="2060848"/>
-            <a:ext cx="7462785" cy="1323439"/>
-          </a:xfrm>
-          <a:prstGeom prst="rect">
-            <a:avLst/>
-          </a:prstGeom>
-          <a:noFill/>
-        </p:spPr>
-        <p:txBody>
-          <a:bodyPr wrap="square" rtlCol="0">
-            <a:spAutoFit/>
-          </a:bodyPr>
-          <a:lstStyle/>
-          <a:p>
-            <a:pPr marL="457200" indent="-457200">
-              <a:buFont typeface="Arial" panose="020B0604020202020204" pitchFamily="34" charset="0"/>
-              <a:buChar char="•"/>
-            </a:pPr>
-            <a:endParaRPr lang="en-US" altLang="ko-KR" sz="2000" spc="-150" dirty="0">
-              <a:ln>
-                <a:solidFill>
-                  <a:schemeClr val="accent1">
-                    <a:alpha val="0"/>
-                  </a:schemeClr>
-                </a:solidFill>
-              </a:ln>
-              <a:solidFill>
-                <a:srgbClr val="996633"/>
-              </a:solidFill>
-              <a:latin typeface="HY견고딕" pitchFamily="18" charset="-127"/>
-              <a:ea typeface="HY견고딕" pitchFamily="18" charset="-127"/>
-              <a:cs typeface="Tahoma" pitchFamily="34" charset="0"/>
-            </a:endParaRPr>
-          </a:p>
-          <a:p>
-            <a:pPr marL="457200" indent="-457200">
-              <a:buFont typeface="Arial" panose="020B0604020202020204" pitchFamily="34" charset="0"/>
-              <a:buChar char="•"/>
-            </a:pPr>
-            <a:endParaRPr lang="en-US" altLang="ko-KR" sz="2000" spc="-150" dirty="0" smtClean="0">
-              <a:ln>
-                <a:solidFill>
-                  <a:schemeClr val="accent1">
-                    <a:alpha val="0"/>
-                  </a:schemeClr>
-                </a:solidFill>
-              </a:ln>
-              <a:solidFill>
-                <a:srgbClr val="996633"/>
-              </a:solidFill>
-              <a:latin typeface="HY견고딕" pitchFamily="18" charset="-127"/>
-              <a:ea typeface="HY견고딕" pitchFamily="18" charset="-127"/>
-              <a:cs typeface="Tahoma" pitchFamily="34" charset="0"/>
-            </a:endParaRPr>
-          </a:p>
-          <a:p>
-            <a:pPr marL="457200" indent="-457200">
-              <a:buFont typeface="Arial" panose="020B0604020202020204" pitchFamily="34" charset="0"/>
-              <a:buChar char="•"/>
-            </a:pPr>
-            <a:endParaRPr lang="en-US" altLang="ko-KR" sz="2000" spc="-150" dirty="0" smtClean="0">
-              <a:ln>
-                <a:solidFill>
-                  <a:schemeClr val="accent1">
-                    <a:alpha val="0"/>
-                  </a:schemeClr>
-                </a:solidFill>
-              </a:ln>
-              <a:solidFill>
-                <a:srgbClr val="996633"/>
-              </a:solidFill>
-              <a:latin typeface="HY견고딕" pitchFamily="18" charset="-127"/>
-              <a:ea typeface="HY견고딕" pitchFamily="18" charset="-127"/>
-              <a:cs typeface="Tahoma" pitchFamily="34" charset="0"/>
-            </a:endParaRPr>
-          </a:p>
-          <a:p>
-            <a:pPr marL="457200" indent="-457200">
-              <a:buFont typeface="Arial" panose="020B0604020202020204" pitchFamily="34" charset="0"/>
-              <a:buChar char="•"/>
-            </a:pPr>
-            <a:endParaRPr lang="en-US" altLang="ko-KR" sz="2000" spc="-150" dirty="0" smtClean="0">
-              <a:ln>
-                <a:solidFill>
-                  <a:schemeClr val="accent1">
-                    <a:alpha val="0"/>
-                  </a:schemeClr>
-                </a:solidFill>
-              </a:ln>
-              <a:solidFill>
-                <a:srgbClr val="996633"/>
-              </a:solidFill>
-              <a:latin typeface="HY견고딕" pitchFamily="18" charset="-127"/>
-              <a:ea typeface="HY견고딕" pitchFamily="18" charset="-127"/>
-              <a:cs typeface="Tahoma" pitchFamily="34" charset="0"/>
-            </a:endParaRPr>
-          </a:p>
-        </p:txBody>
-      </p:sp>
-    </p:spTree>
-    <p:extLst>
-      <p:ext uri="{BB962C8B-B14F-4D97-AF65-F5344CB8AC3E}">
-        <p14:creationId xmlns:p14="http://schemas.microsoft.com/office/powerpoint/2010/main" val="1364073111"/>
-      </p:ext>
-    </p:extLst>
-  </p:cSld>
-  <p:clrMapOvr>
-    <a:masterClrMapping/>
-  </p:clrMapOvr>
-  <p:timing>
-    <p:tnLst>
-      <p:par>
-        <p:cTn id="1" dur="indefinite" restart="never" nodeType="tmRoot"/>
-      </p:par>
-    </p:tnLst>
-  </p:timing>
-</p:sld>
-</file>
-
-<file path=ppt/slides/slide12.xml><?xml version="1.0" encoding="utf-8"?>
 <p:sld xmlns:a="http://schemas.openxmlformats.org/drawingml/2006/main" xmlns:r="http://schemas.openxmlformats.org/officeDocument/2006/relationships" xmlns:p="http://schemas.openxmlformats.org/presentationml/2006/main">
   <p:cSld>
     <p:spTree>
